--- a/PPT/PART 19.pptx
+++ b/PPT/PART 19.pptx
@@ -258,7 +258,7 @@
           <a:p>
             <a:fld id="{48A87A34-81AB-432B-8DAE-1953F412C126}" type="datetimeFigureOut">
               <a:rPr lang="en-US" dirty="0"/>
-              <a:t>4/6/2021</a:t>
+              <a:t>4/10/2021</a:t>
             </a:fld>
             <a:endParaRPr lang="en-US" dirty="0"/>
           </a:p>
@@ -464,7 +464,7 @@
           <a:p>
             <a:fld id="{48A87A34-81AB-432B-8DAE-1953F412C126}" type="datetimeFigureOut">
               <a:rPr lang="en-US" dirty="0"/>
-              <a:t>4/6/2021</a:t>
+              <a:t>4/10/2021</a:t>
             </a:fld>
             <a:endParaRPr lang="en-US" dirty="0"/>
           </a:p>
@@ -674,7 +674,7 @@
           <a:p>
             <a:fld id="{48A87A34-81AB-432B-8DAE-1953F412C126}" type="datetimeFigureOut">
               <a:rPr lang="en-US" dirty="0"/>
-              <a:t>4/6/2021</a:t>
+              <a:t>4/10/2021</a:t>
             </a:fld>
             <a:endParaRPr lang="en-US" dirty="0"/>
           </a:p>
@@ -870,7 +870,7 @@
           <a:p>
             <a:fld id="{48A87A34-81AB-432B-8DAE-1953F412C126}" type="datetimeFigureOut">
               <a:rPr lang="en-US" dirty="0"/>
-              <a:t>4/6/2021</a:t>
+              <a:t>4/10/2021</a:t>
             </a:fld>
             <a:endParaRPr lang="en-US" dirty="0"/>
           </a:p>
@@ -1144,7 +1144,7 @@
           <a:p>
             <a:fld id="{48A87A34-81AB-432B-8DAE-1953F412C126}" type="datetimeFigureOut">
               <a:rPr lang="en-US" dirty="0"/>
-              <a:t>4/6/2021</a:t>
+              <a:t>4/10/2021</a:t>
             </a:fld>
             <a:endParaRPr lang="en-US" dirty="0"/>
           </a:p>
@@ -1407,7 +1407,7 @@
           <a:p>
             <a:fld id="{48A87A34-81AB-432B-8DAE-1953F412C126}" type="datetimeFigureOut">
               <a:rPr lang="en-US" dirty="0"/>
-              <a:t>4/6/2021</a:t>
+              <a:t>4/10/2021</a:t>
             </a:fld>
             <a:endParaRPr lang="en-US" dirty="0"/>
           </a:p>
@@ -1818,7 +1818,7 @@
           <a:p>
             <a:fld id="{48A87A34-81AB-432B-8DAE-1953F412C126}" type="datetimeFigureOut">
               <a:rPr lang="en-US" dirty="0"/>
-              <a:t>4/6/2021</a:t>
+              <a:t>4/10/2021</a:t>
             </a:fld>
             <a:endParaRPr lang="en-US" dirty="0"/>
           </a:p>
@@ -1962,7 +1962,7 @@
           <a:p>
             <a:fld id="{48A87A34-81AB-432B-8DAE-1953F412C126}" type="datetimeFigureOut">
               <a:rPr lang="en-US" dirty="0"/>
-              <a:t>4/6/2021</a:t>
+              <a:t>4/10/2021</a:t>
             </a:fld>
             <a:endParaRPr lang="en-US" dirty="0"/>
           </a:p>
@@ -2083,7 +2083,7 @@
           <a:p>
             <a:fld id="{48A87A34-81AB-432B-8DAE-1953F412C126}" type="datetimeFigureOut">
               <a:rPr lang="en-US" dirty="0"/>
-              <a:t>4/6/2021</a:t>
+              <a:t>4/10/2021</a:t>
             </a:fld>
             <a:endParaRPr lang="en-US" dirty="0"/>
           </a:p>
@@ -2329,7 +2329,7 @@
           <a:p>
             <a:fld id="{48A87A34-81AB-432B-8DAE-1953F412C126}" type="datetimeFigureOut">
               <a:rPr lang="en-US" dirty="0"/>
-              <a:t>4/6/2021</a:t>
+              <a:t>4/10/2021</a:t>
             </a:fld>
             <a:endParaRPr lang="en-US" dirty="0"/>
           </a:p>
@@ -2770,7 +2770,7 @@
             <a:fld id="{48A87A34-81AB-432B-8DAE-1953F412C126}" type="datetimeFigureOut">
               <a:rPr lang="en-US" dirty="0"/>
               <a:pPr/>
-              <a:t>4/6/2021</a:t>
+              <a:t>4/10/2021</a:t>
             </a:fld>
             <a:endParaRPr lang="en-US" dirty="0"/>
           </a:p>
@@ -3093,7 +3093,7 @@
             <a:fld id="{48A87A34-81AB-432B-8DAE-1953F412C126}" type="datetimeFigureOut">
               <a:rPr lang="en-US" dirty="0"/>
               <a:pPr/>
-              <a:t>4/6/2021</a:t>
+              <a:t>4/10/2021</a:t>
             </a:fld>
             <a:endParaRPr lang="en-US" dirty="0"/>
           </a:p>
@@ -3598,7 +3598,7 @@
           <a:p>
             <a:r>
               <a:rPr lang="en-US"/>
-              <a:t>PART 1</a:t>
+              <a:t>PART 19</a:t>
             </a:r>
           </a:p>
         </p:txBody>

--- a/PPT/PART 19.pptx
+++ b/PPT/PART 19.pptx
@@ -258,7 +258,7 @@
           <a:p>
             <a:fld id="{48A87A34-81AB-432B-8DAE-1953F412C126}" type="datetimeFigureOut">
               <a:rPr lang="en-US" dirty="0"/>
-              <a:t>4/10/2021</a:t>
+              <a:t>4/11/2021</a:t>
             </a:fld>
             <a:endParaRPr lang="en-US" dirty="0"/>
           </a:p>
@@ -464,7 +464,7 @@
           <a:p>
             <a:fld id="{48A87A34-81AB-432B-8DAE-1953F412C126}" type="datetimeFigureOut">
               <a:rPr lang="en-US" dirty="0"/>
-              <a:t>4/10/2021</a:t>
+              <a:t>4/11/2021</a:t>
             </a:fld>
             <a:endParaRPr lang="en-US" dirty="0"/>
           </a:p>
@@ -674,7 +674,7 @@
           <a:p>
             <a:fld id="{48A87A34-81AB-432B-8DAE-1953F412C126}" type="datetimeFigureOut">
               <a:rPr lang="en-US" dirty="0"/>
-              <a:t>4/10/2021</a:t>
+              <a:t>4/11/2021</a:t>
             </a:fld>
             <a:endParaRPr lang="en-US" dirty="0"/>
           </a:p>
@@ -870,7 +870,7 @@
           <a:p>
             <a:fld id="{48A87A34-81AB-432B-8DAE-1953F412C126}" type="datetimeFigureOut">
               <a:rPr lang="en-US" dirty="0"/>
-              <a:t>4/10/2021</a:t>
+              <a:t>4/11/2021</a:t>
             </a:fld>
             <a:endParaRPr lang="en-US" dirty="0"/>
           </a:p>
@@ -1144,7 +1144,7 @@
           <a:p>
             <a:fld id="{48A87A34-81AB-432B-8DAE-1953F412C126}" type="datetimeFigureOut">
               <a:rPr lang="en-US" dirty="0"/>
-              <a:t>4/10/2021</a:t>
+              <a:t>4/11/2021</a:t>
             </a:fld>
             <a:endParaRPr lang="en-US" dirty="0"/>
           </a:p>
@@ -1407,7 +1407,7 @@
           <a:p>
             <a:fld id="{48A87A34-81AB-432B-8DAE-1953F412C126}" type="datetimeFigureOut">
               <a:rPr lang="en-US" dirty="0"/>
-              <a:t>4/10/2021</a:t>
+              <a:t>4/11/2021</a:t>
             </a:fld>
             <a:endParaRPr lang="en-US" dirty="0"/>
           </a:p>
@@ -1818,7 +1818,7 @@
           <a:p>
             <a:fld id="{48A87A34-81AB-432B-8DAE-1953F412C126}" type="datetimeFigureOut">
               <a:rPr lang="en-US" dirty="0"/>
-              <a:t>4/10/2021</a:t>
+              <a:t>4/11/2021</a:t>
             </a:fld>
             <a:endParaRPr lang="en-US" dirty="0"/>
           </a:p>
@@ -1962,7 +1962,7 @@
           <a:p>
             <a:fld id="{48A87A34-81AB-432B-8DAE-1953F412C126}" type="datetimeFigureOut">
               <a:rPr lang="en-US" dirty="0"/>
-              <a:t>4/10/2021</a:t>
+              <a:t>4/11/2021</a:t>
             </a:fld>
             <a:endParaRPr lang="en-US" dirty="0"/>
           </a:p>
@@ -2083,7 +2083,7 @@
           <a:p>
             <a:fld id="{48A87A34-81AB-432B-8DAE-1953F412C126}" type="datetimeFigureOut">
               <a:rPr lang="en-US" dirty="0"/>
-              <a:t>4/10/2021</a:t>
+              <a:t>4/11/2021</a:t>
             </a:fld>
             <a:endParaRPr lang="en-US" dirty="0"/>
           </a:p>
@@ -2329,7 +2329,7 @@
           <a:p>
             <a:fld id="{48A87A34-81AB-432B-8DAE-1953F412C126}" type="datetimeFigureOut">
               <a:rPr lang="en-US" dirty="0"/>
-              <a:t>4/10/2021</a:t>
+              <a:t>4/11/2021</a:t>
             </a:fld>
             <a:endParaRPr lang="en-US" dirty="0"/>
           </a:p>
@@ -2770,7 +2770,7 @@
             <a:fld id="{48A87A34-81AB-432B-8DAE-1953F412C126}" type="datetimeFigureOut">
               <a:rPr lang="en-US" dirty="0"/>
               <a:pPr/>
-              <a:t>4/10/2021</a:t>
+              <a:t>4/11/2021</a:t>
             </a:fld>
             <a:endParaRPr lang="en-US" dirty="0"/>
           </a:p>
@@ -3093,7 +3093,7 @@
             <a:fld id="{48A87A34-81AB-432B-8DAE-1953F412C126}" type="datetimeFigureOut">
               <a:rPr lang="en-US" dirty="0"/>
               <a:pPr/>
-              <a:t>4/10/2021</a:t>
+              <a:t>4/11/2021</a:t>
             </a:fld>
             <a:endParaRPr lang="en-US" dirty="0"/>
           </a:p>
